--- a/docs/how.pptx
+++ b/docs/how.pptx
@@ -18,17 +18,16 @@
     <p:sldId id="264" r:id="rId12"/>
     <p:sldId id="265" r:id="rId13"/>
     <p:sldId id="266" r:id="rId14"/>
-    <p:sldId id="271" r:id="rId15"/>
-    <p:sldId id="272" r:id="rId16"/>
-    <p:sldId id="270" r:id="rId17"/>
-    <p:sldId id="273" r:id="rId18"/>
-    <p:sldId id="275" r:id="rId19"/>
-    <p:sldId id="276" r:id="rId20"/>
-    <p:sldId id="278" r:id="rId21"/>
-    <p:sldId id="279" r:id="rId22"/>
-    <p:sldId id="281" r:id="rId23"/>
-    <p:sldId id="283" r:id="rId24"/>
-    <p:sldId id="282" r:id="rId25"/>
+    <p:sldId id="272" r:id="rId15"/>
+    <p:sldId id="270" r:id="rId16"/>
+    <p:sldId id="273" r:id="rId17"/>
+    <p:sldId id="275" r:id="rId18"/>
+    <p:sldId id="276" r:id="rId19"/>
+    <p:sldId id="278" r:id="rId20"/>
+    <p:sldId id="279" r:id="rId21"/>
+    <p:sldId id="281" r:id="rId22"/>
+    <p:sldId id="283" r:id="rId23"/>
+    <p:sldId id="282" r:id="rId24"/>
   </p:sldIdLst>
   <p:sldSz cx="12192000" cy="6858000"/>
   <p:notesSz cx="6858000" cy="9144000"/>
@@ -297,7 +296,7 @@
           <a:p>
             <a:fld id="{72BD9B35-EB8C-4171-BA8C-130B0AA2B034}" type="datetimeFigureOut">
               <a:rPr lang="ko-KR" altLang="en-US" smtClean="0"/>
-              <a:t>2019-10-02</a:t>
+              <a:t>2019-10-04</a:t>
             </a:fld>
             <a:endParaRPr lang="ko-KR" altLang="en-US"/>
           </a:p>
@@ -467,7 +466,7 @@
           <a:p>
             <a:fld id="{72BD9B35-EB8C-4171-BA8C-130B0AA2B034}" type="datetimeFigureOut">
               <a:rPr lang="ko-KR" altLang="en-US" smtClean="0"/>
-              <a:t>2019-10-02</a:t>
+              <a:t>2019-10-04</a:t>
             </a:fld>
             <a:endParaRPr lang="ko-KR" altLang="en-US"/>
           </a:p>
@@ -647,7 +646,7 @@
           <a:p>
             <a:fld id="{72BD9B35-EB8C-4171-BA8C-130B0AA2B034}" type="datetimeFigureOut">
               <a:rPr lang="ko-KR" altLang="en-US" smtClean="0"/>
-              <a:t>2019-10-02</a:t>
+              <a:t>2019-10-04</a:t>
             </a:fld>
             <a:endParaRPr lang="ko-KR" altLang="en-US"/>
           </a:p>
@@ -817,7 +816,7 @@
           <a:p>
             <a:fld id="{72BD9B35-EB8C-4171-BA8C-130B0AA2B034}" type="datetimeFigureOut">
               <a:rPr lang="ko-KR" altLang="en-US" smtClean="0"/>
-              <a:t>2019-10-02</a:t>
+              <a:t>2019-10-04</a:t>
             </a:fld>
             <a:endParaRPr lang="ko-KR" altLang="en-US"/>
           </a:p>
@@ -1063,7 +1062,7 @@
           <a:p>
             <a:fld id="{72BD9B35-EB8C-4171-BA8C-130B0AA2B034}" type="datetimeFigureOut">
               <a:rPr lang="ko-KR" altLang="en-US" smtClean="0"/>
-              <a:t>2019-10-02</a:t>
+              <a:t>2019-10-04</a:t>
             </a:fld>
             <a:endParaRPr lang="ko-KR" altLang="en-US"/>
           </a:p>
@@ -1295,7 +1294,7 @@
           <a:p>
             <a:fld id="{72BD9B35-EB8C-4171-BA8C-130B0AA2B034}" type="datetimeFigureOut">
               <a:rPr lang="ko-KR" altLang="en-US" smtClean="0"/>
-              <a:t>2019-10-02</a:t>
+              <a:t>2019-10-04</a:t>
             </a:fld>
             <a:endParaRPr lang="ko-KR" altLang="en-US"/>
           </a:p>
@@ -1662,7 +1661,7 @@
           <a:p>
             <a:fld id="{72BD9B35-EB8C-4171-BA8C-130B0AA2B034}" type="datetimeFigureOut">
               <a:rPr lang="ko-KR" altLang="en-US" smtClean="0"/>
-              <a:t>2019-10-02</a:t>
+              <a:t>2019-10-04</a:t>
             </a:fld>
             <a:endParaRPr lang="ko-KR" altLang="en-US"/>
           </a:p>
@@ -1780,7 +1779,7 @@
           <a:p>
             <a:fld id="{72BD9B35-EB8C-4171-BA8C-130B0AA2B034}" type="datetimeFigureOut">
               <a:rPr lang="ko-KR" altLang="en-US" smtClean="0"/>
-              <a:t>2019-10-02</a:t>
+              <a:t>2019-10-04</a:t>
             </a:fld>
             <a:endParaRPr lang="ko-KR" altLang="en-US"/>
           </a:p>
@@ -1875,7 +1874,7 @@
           <a:p>
             <a:fld id="{72BD9B35-EB8C-4171-BA8C-130B0AA2B034}" type="datetimeFigureOut">
               <a:rPr lang="ko-KR" altLang="en-US" smtClean="0"/>
-              <a:t>2019-10-02</a:t>
+              <a:t>2019-10-04</a:t>
             </a:fld>
             <a:endParaRPr lang="ko-KR" altLang="en-US"/>
           </a:p>
@@ -2152,7 +2151,7 @@
           <a:p>
             <a:fld id="{72BD9B35-EB8C-4171-BA8C-130B0AA2B034}" type="datetimeFigureOut">
               <a:rPr lang="ko-KR" altLang="en-US" smtClean="0"/>
-              <a:t>2019-10-02</a:t>
+              <a:t>2019-10-04</a:t>
             </a:fld>
             <a:endParaRPr lang="ko-KR" altLang="en-US"/>
           </a:p>
@@ -2405,7 +2404,7 @@
           <a:p>
             <a:fld id="{72BD9B35-EB8C-4171-BA8C-130B0AA2B034}" type="datetimeFigureOut">
               <a:rPr lang="ko-KR" altLang="en-US" smtClean="0"/>
-              <a:t>2019-10-02</a:t>
+              <a:t>2019-10-04</a:t>
             </a:fld>
             <a:endParaRPr lang="ko-KR" altLang="en-US"/>
           </a:p>
@@ -2618,7 +2617,7 @@
           <a:p>
             <a:fld id="{72BD9B35-EB8C-4171-BA8C-130B0AA2B034}" type="datetimeFigureOut">
               <a:rPr lang="ko-KR" altLang="en-US" smtClean="0"/>
-              <a:t>2019-10-02</a:t>
+              <a:t>2019-10-04</a:t>
             </a:fld>
             <a:endParaRPr lang="ko-KR" altLang="en-US"/>
           </a:p>
@@ -5603,6 +5602,14 @@
 <file path=ppt/slides/slide14.xml><?xml version="1.0" encoding="utf-8"?>
 <p:sld xmlns:a="http://schemas.openxmlformats.org/drawingml/2006/main" xmlns:r="http://schemas.openxmlformats.org/officeDocument/2006/relationships" xmlns:p="http://schemas.openxmlformats.org/presentationml/2006/main">
   <p:cSld>
+    <p:bg>
+      <p:bgPr>
+        <a:solidFill>
+          <a:schemeClr val="tx1"/>
+        </a:solidFill>
+        <a:effectLst/>
+      </p:bgPr>
+    </p:bg>
     <p:spTree>
       <p:nvGrpSpPr>
         <p:cNvPr id="1" name=""/>
@@ -5617,10 +5624,397 @@
           <a:chExt cx="0" cy="0"/>
         </a:xfrm>
       </p:grpSpPr>
+      <p:sp>
+        <p:nvSpPr>
+          <p:cNvPr id="4" name="TextBox 3"/>
+          <p:cNvSpPr txBox="1"/>
+          <p:nvPr/>
+        </p:nvSpPr>
+        <p:spPr>
+          <a:xfrm>
+            <a:off x="5596642" y="3244334"/>
+            <a:ext cx="1021370" cy="369332"/>
+          </a:xfrm>
+          <a:prstGeom prst="rect">
+            <a:avLst/>
+          </a:prstGeom>
+          <a:noFill/>
+        </p:spPr>
+        <p:txBody>
+          <a:bodyPr wrap="none" rtlCol="0">
+            <a:spAutoFit/>
+          </a:bodyPr>
+          <a:lstStyle/>
+          <a:p>
+            <a:r>
+              <a:rPr lang="en-US" altLang="ko-KR" dirty="0" smtClean="0">
+                <a:solidFill>
+                  <a:schemeClr val="bg1"/>
+                </a:solidFill>
+              </a:rPr>
+              <a:t>CONFIG</a:t>
+            </a:r>
+            <a:endParaRPr lang="ko-KR" altLang="en-US" dirty="0">
+              <a:solidFill>
+                <a:schemeClr val="bg1"/>
+              </a:solidFill>
+            </a:endParaRPr>
+          </a:p>
+        </p:txBody>
+      </p:sp>
     </p:spTree>
     <p:extLst>
       <p:ext uri="{BB962C8B-B14F-4D97-AF65-F5344CB8AC3E}">
-        <p14:creationId xmlns:p14="http://schemas.microsoft.com/office/powerpoint/2010/main" val="2661927270"/>
+        <p14:creationId xmlns:p14="http://schemas.microsoft.com/office/powerpoint/2010/main" val="3189160247"/>
+      </p:ext>
+    </p:extLst>
+  </p:cSld>
+  <p:clrMapOvr>
+    <a:masterClrMapping/>
+  </p:clrMapOvr>
+  <p:timing>
+    <p:tnLst>
+      <p:par>
+        <p:cTn id="1" dur="indefinite" restart="never" nodeType="tmRoot"/>
+      </p:par>
+    </p:tnLst>
+  </p:timing>
+</p:sld>
+</file>
+
+<file path=ppt/slides/slide15.xml><?xml version="1.0" encoding="utf-8"?>
+<p:sld xmlns:a="http://schemas.openxmlformats.org/drawingml/2006/main" xmlns:r="http://schemas.openxmlformats.org/officeDocument/2006/relationships" xmlns:p="http://schemas.openxmlformats.org/presentationml/2006/main">
+  <p:cSld>
+    <p:spTree>
+      <p:nvGrpSpPr>
+        <p:cNvPr id="1" name=""/>
+        <p:cNvGrpSpPr/>
+        <p:nvPr/>
+      </p:nvGrpSpPr>
+      <p:grpSpPr>
+        <a:xfrm>
+          <a:off x="0" y="0"/>
+          <a:ext cx="0" cy="0"/>
+          <a:chOff x="0" y="0"/>
+          <a:chExt cx="0" cy="0"/>
+        </a:xfrm>
+      </p:grpSpPr>
+      <p:pic>
+        <p:nvPicPr>
+          <p:cNvPr id="5" name="그림 4"/>
+          <p:cNvPicPr>
+            <a:picLocks noChangeAspect="1"/>
+          </p:cNvPicPr>
+          <p:nvPr/>
+        </p:nvPicPr>
+        <p:blipFill>
+          <a:blip r:embed="rId2"/>
+          <a:stretch>
+            <a:fillRect/>
+          </a:stretch>
+        </p:blipFill>
+        <p:spPr>
+          <a:xfrm>
+            <a:off x="923925" y="549275"/>
+            <a:ext cx="10165644" cy="5718175"/>
+          </a:xfrm>
+          <a:prstGeom prst="rect">
+            <a:avLst/>
+          </a:prstGeom>
+        </p:spPr>
+      </p:pic>
+      <p:sp>
+        <p:nvSpPr>
+          <p:cNvPr id="7" name="TextBox 6"/>
+          <p:cNvSpPr txBox="1"/>
+          <p:nvPr/>
+        </p:nvSpPr>
+        <p:spPr>
+          <a:xfrm>
+            <a:off x="8318751" y="3321278"/>
+            <a:ext cx="1505540" cy="215444"/>
+          </a:xfrm>
+          <a:prstGeom prst="rect">
+            <a:avLst/>
+          </a:prstGeom>
+          <a:noFill/>
+          <a:ln>
+            <a:solidFill>
+              <a:schemeClr val="tx1"/>
+            </a:solidFill>
+          </a:ln>
+        </p:spPr>
+        <p:txBody>
+          <a:bodyPr wrap="none" rtlCol="0">
+            <a:spAutoFit/>
+          </a:bodyPr>
+          <a:lstStyle/>
+          <a:p>
+            <a:r>
+              <a:rPr lang="ko-KR" altLang="en-US" sz="800" b="1" dirty="0" smtClean="0"/>
+              <a:t>조건 활성화 </a:t>
+            </a:r>
+            <a:r>
+              <a:rPr lang="en-US" altLang="ko-KR" sz="800" b="1" dirty="0" smtClean="0"/>
+              <a:t>/ </a:t>
+            </a:r>
+            <a:r>
+              <a:rPr lang="ko-KR" altLang="en-US" sz="800" b="1" dirty="0" smtClean="0"/>
+              <a:t>비활성화 버튼</a:t>
+            </a:r>
+            <a:endParaRPr lang="ko-KR" altLang="en-US" sz="800" b="1" dirty="0"/>
+          </a:p>
+        </p:txBody>
+      </p:sp>
+      <p:cxnSp>
+        <p:nvCxnSpPr>
+          <p:cNvPr id="9" name="꺾인 연결선 8"/>
+          <p:cNvCxnSpPr>
+            <a:stCxn id="7" idx="1"/>
+          </p:cNvCxnSpPr>
+          <p:nvPr/>
+        </p:nvCxnSpPr>
+        <p:spPr>
+          <a:xfrm rot="10800000">
+            <a:off x="6172199" y="2676526"/>
+            <a:ext cx="2146552" cy="752475"/>
+          </a:xfrm>
+          <a:prstGeom prst="bentConnector3">
+            <a:avLst>
+              <a:gd name="adj1" fmla="val 50000"/>
+            </a:avLst>
+          </a:prstGeom>
+          <a:ln>
+            <a:solidFill>
+              <a:srgbClr val="FF0000"/>
+            </a:solidFill>
+            <a:tailEnd type="triangle"/>
+          </a:ln>
+        </p:spPr>
+        <p:style>
+          <a:lnRef idx="1">
+            <a:schemeClr val="accent1"/>
+          </a:lnRef>
+          <a:fillRef idx="0">
+            <a:schemeClr val="accent1"/>
+          </a:fillRef>
+          <a:effectRef idx="0">
+            <a:schemeClr val="accent1"/>
+          </a:effectRef>
+          <a:fontRef idx="minor">
+            <a:schemeClr val="tx1"/>
+          </a:fontRef>
+        </p:style>
+      </p:cxnSp>
+      <p:cxnSp>
+        <p:nvCxnSpPr>
+          <p:cNvPr id="10" name="꺾인 연결선 9"/>
+          <p:cNvCxnSpPr/>
+          <p:nvPr/>
+        </p:nvCxnSpPr>
+        <p:spPr>
+          <a:xfrm rot="10800000">
+            <a:off x="6172200" y="1428751"/>
+            <a:ext cx="2146552" cy="2000249"/>
+          </a:xfrm>
+          <a:prstGeom prst="bentConnector3">
+            <a:avLst>
+              <a:gd name="adj1" fmla="val 50000"/>
+            </a:avLst>
+          </a:prstGeom>
+          <a:ln>
+            <a:solidFill>
+              <a:srgbClr val="FF0000"/>
+            </a:solidFill>
+            <a:tailEnd type="triangle"/>
+          </a:ln>
+        </p:spPr>
+        <p:style>
+          <a:lnRef idx="1">
+            <a:schemeClr val="accent1"/>
+          </a:lnRef>
+          <a:fillRef idx="0">
+            <a:schemeClr val="accent1"/>
+          </a:fillRef>
+          <a:effectRef idx="0">
+            <a:schemeClr val="accent1"/>
+          </a:effectRef>
+          <a:fontRef idx="minor">
+            <a:schemeClr val="tx1"/>
+          </a:fontRef>
+        </p:style>
+      </p:cxnSp>
+      <p:cxnSp>
+        <p:nvCxnSpPr>
+          <p:cNvPr id="16" name="꺾인 연결선 15"/>
+          <p:cNvCxnSpPr>
+            <a:stCxn id="7" idx="1"/>
+          </p:cNvCxnSpPr>
+          <p:nvPr/>
+        </p:nvCxnSpPr>
+        <p:spPr>
+          <a:xfrm rot="10800000" flipV="1">
+            <a:off x="6172199" y="3428999"/>
+            <a:ext cx="2146553" cy="295275"/>
+          </a:xfrm>
+          <a:prstGeom prst="bentConnector3">
+            <a:avLst>
+              <a:gd name="adj1" fmla="val 50000"/>
+            </a:avLst>
+          </a:prstGeom>
+          <a:ln>
+            <a:solidFill>
+              <a:srgbClr val="FF0000"/>
+            </a:solidFill>
+            <a:tailEnd type="triangle"/>
+          </a:ln>
+        </p:spPr>
+        <p:style>
+          <a:lnRef idx="1">
+            <a:schemeClr val="accent1"/>
+          </a:lnRef>
+          <a:fillRef idx="0">
+            <a:schemeClr val="accent1"/>
+          </a:fillRef>
+          <a:effectRef idx="0">
+            <a:schemeClr val="accent1"/>
+          </a:effectRef>
+          <a:fontRef idx="minor">
+            <a:schemeClr val="tx1"/>
+          </a:fontRef>
+        </p:style>
+      </p:cxnSp>
+      <p:cxnSp>
+        <p:nvCxnSpPr>
+          <p:cNvPr id="19" name="꺾인 연결선 18"/>
+          <p:cNvCxnSpPr>
+            <a:stCxn id="7" idx="1"/>
+          </p:cNvCxnSpPr>
+          <p:nvPr/>
+        </p:nvCxnSpPr>
+        <p:spPr>
+          <a:xfrm rot="10800000" flipV="1">
+            <a:off x="6172199" y="3428999"/>
+            <a:ext cx="2146553" cy="1533525"/>
+          </a:xfrm>
+          <a:prstGeom prst="bentConnector3">
+            <a:avLst>
+              <a:gd name="adj1" fmla="val 50000"/>
+            </a:avLst>
+          </a:prstGeom>
+          <a:ln>
+            <a:solidFill>
+              <a:srgbClr val="FF0000"/>
+            </a:solidFill>
+            <a:tailEnd type="triangle"/>
+          </a:ln>
+        </p:spPr>
+        <p:style>
+          <a:lnRef idx="1">
+            <a:schemeClr val="accent1"/>
+          </a:lnRef>
+          <a:fillRef idx="0">
+            <a:schemeClr val="accent1"/>
+          </a:fillRef>
+          <a:effectRef idx="0">
+            <a:schemeClr val="accent1"/>
+          </a:effectRef>
+          <a:fontRef idx="minor">
+            <a:schemeClr val="tx1"/>
+          </a:fontRef>
+        </p:style>
+      </p:cxnSp>
+      <p:sp>
+        <p:nvSpPr>
+          <p:cNvPr id="22" name="TextBox 21"/>
+          <p:cNvSpPr txBox="1"/>
+          <p:nvPr/>
+        </p:nvSpPr>
+        <p:spPr>
+          <a:xfrm>
+            <a:off x="7490076" y="5291821"/>
+            <a:ext cx="1321196" cy="215444"/>
+          </a:xfrm>
+          <a:prstGeom prst="rect">
+            <a:avLst/>
+          </a:prstGeom>
+          <a:noFill/>
+          <a:ln>
+            <a:solidFill>
+              <a:schemeClr val="tx1"/>
+            </a:solidFill>
+          </a:ln>
+        </p:spPr>
+        <p:txBody>
+          <a:bodyPr wrap="none" rtlCol="0">
+            <a:spAutoFit/>
+          </a:bodyPr>
+          <a:lstStyle/>
+          <a:p>
+            <a:r>
+              <a:rPr lang="ko-KR" altLang="en-US" sz="800" b="1" dirty="0" smtClean="0"/>
+              <a:t>순차 순서 </a:t>
+            </a:r>
+            <a:r>
+              <a:rPr lang="ko-KR" altLang="en-US" sz="800" b="1" dirty="0" err="1" smtClean="0"/>
+              <a:t>드래그앤</a:t>
+            </a:r>
+            <a:r>
+              <a:rPr lang="ko-KR" altLang="en-US" sz="800" b="1" dirty="0" smtClean="0"/>
+              <a:t> </a:t>
+            </a:r>
+            <a:r>
+              <a:rPr lang="ko-KR" altLang="en-US" sz="800" b="1" dirty="0" err="1" smtClean="0"/>
+              <a:t>드랍</a:t>
+            </a:r>
+            <a:endParaRPr lang="ko-KR" altLang="en-US" sz="800" b="1" dirty="0"/>
+          </a:p>
+        </p:txBody>
+      </p:sp>
+      <p:cxnSp>
+        <p:nvCxnSpPr>
+          <p:cNvPr id="23" name="꺾인 연결선 22"/>
+          <p:cNvCxnSpPr>
+            <a:stCxn id="22" idx="1"/>
+          </p:cNvCxnSpPr>
+          <p:nvPr/>
+        </p:nvCxnSpPr>
+        <p:spPr>
+          <a:xfrm rot="10800000">
+            <a:off x="4133850" y="5291821"/>
+            <a:ext cx="3356226" cy="107722"/>
+          </a:xfrm>
+          <a:prstGeom prst="bentConnector3">
+            <a:avLst>
+              <a:gd name="adj1" fmla="val 50000"/>
+            </a:avLst>
+          </a:prstGeom>
+          <a:ln>
+            <a:solidFill>
+              <a:srgbClr val="FF0000"/>
+            </a:solidFill>
+            <a:tailEnd type="triangle"/>
+          </a:ln>
+        </p:spPr>
+        <p:style>
+          <a:lnRef idx="1">
+            <a:schemeClr val="accent1"/>
+          </a:lnRef>
+          <a:fillRef idx="0">
+            <a:schemeClr val="accent1"/>
+          </a:fillRef>
+          <a:effectRef idx="0">
+            <a:schemeClr val="accent1"/>
+          </a:effectRef>
+          <a:fontRef idx="minor">
+            <a:schemeClr val="tx1"/>
+          </a:fontRef>
+        </p:style>
+      </p:cxnSp>
+    </p:spTree>
+    <p:extLst>
+      <p:ext uri="{BB962C8B-B14F-4D97-AF65-F5344CB8AC3E}">
+        <p14:creationId xmlns:p14="http://schemas.microsoft.com/office/powerpoint/2010/main" val="809558117"/>
       </p:ext>
     </p:extLst>
   </p:cSld>
@@ -5630,7 +6024,61 @@
 </p:sld>
 </file>
 
-<file path=ppt/slides/slide15.xml><?xml version="1.0" encoding="utf-8"?>
+<file path=ppt/slides/slide16.xml><?xml version="1.0" encoding="utf-8"?>
+<p:sld xmlns:a="http://schemas.openxmlformats.org/drawingml/2006/main" xmlns:r="http://schemas.openxmlformats.org/officeDocument/2006/relationships" xmlns:p="http://schemas.openxmlformats.org/presentationml/2006/main">
+  <p:cSld>
+    <p:spTree>
+      <p:nvGrpSpPr>
+        <p:cNvPr id="1" name=""/>
+        <p:cNvGrpSpPr/>
+        <p:nvPr/>
+      </p:nvGrpSpPr>
+      <p:grpSpPr>
+        <a:xfrm>
+          <a:off x="0" y="0"/>
+          <a:ext cx="0" cy="0"/>
+          <a:chOff x="0" y="0"/>
+          <a:chExt cx="0" cy="0"/>
+        </a:xfrm>
+      </p:grpSpPr>
+      <p:pic>
+        <p:nvPicPr>
+          <p:cNvPr id="4" name="그림 3"/>
+          <p:cNvPicPr>
+            <a:picLocks noChangeAspect="1"/>
+          </p:cNvPicPr>
+          <p:nvPr/>
+        </p:nvPicPr>
+        <p:blipFill>
+          <a:blip r:embed="rId2"/>
+          <a:stretch>
+            <a:fillRect/>
+          </a:stretch>
+        </p:blipFill>
+        <p:spPr>
+          <a:xfrm>
+            <a:off x="923925" y="549275"/>
+            <a:ext cx="10165644" cy="5718175"/>
+          </a:xfrm>
+          <a:prstGeom prst="rect">
+            <a:avLst/>
+          </a:prstGeom>
+        </p:spPr>
+      </p:pic>
+    </p:spTree>
+    <p:extLst>
+      <p:ext uri="{BB962C8B-B14F-4D97-AF65-F5344CB8AC3E}">
+        <p14:creationId xmlns:p14="http://schemas.microsoft.com/office/powerpoint/2010/main" val="2635394177"/>
+      </p:ext>
+    </p:extLst>
+  </p:cSld>
+  <p:clrMapOvr>
+    <a:masterClrMapping/>
+  </p:clrMapOvr>
+</p:sld>
+</file>
+
+<file path=ppt/slides/slide17.xml><?xml version="1.0" encoding="utf-8"?>
 <p:sld xmlns:a="http://schemas.openxmlformats.org/drawingml/2006/main" xmlns:r="http://schemas.openxmlformats.org/officeDocument/2006/relationships" xmlns:p="http://schemas.openxmlformats.org/presentationml/2006/main">
   <p:cSld>
     <p:bg>
@@ -5663,8 +6111,8 @@
         </p:nvSpPr>
         <p:spPr>
           <a:xfrm>
-            <a:off x="5596642" y="3244334"/>
-            <a:ext cx="1021370" cy="369332"/>
+            <a:off x="5263267" y="3244334"/>
+            <a:ext cx="1714957" cy="369332"/>
           </a:xfrm>
           <a:prstGeom prst="rect">
             <a:avLst/>
@@ -5683,7 +6131,7 @@
                   <a:schemeClr val="bg1"/>
                 </a:solidFill>
               </a:rPr>
-              <a:t>CONFIG</a:t>
+              <a:t>ADMIN LOGIN</a:t>
             </a:r>
             <a:endParaRPr lang="ko-KR" altLang="en-US" dirty="0">
               <a:solidFill>
@@ -5696,7 +6144,7 @@
     </p:spTree>
     <p:extLst>
       <p:ext uri="{BB962C8B-B14F-4D97-AF65-F5344CB8AC3E}">
-        <p14:creationId xmlns:p14="http://schemas.microsoft.com/office/powerpoint/2010/main" val="3189160247"/>
+        <p14:creationId xmlns:p14="http://schemas.microsoft.com/office/powerpoint/2010/main" val="2572093177"/>
       </p:ext>
     </p:extLst>
   </p:cSld>
@@ -5713,349 +6161,7 @@
 </p:sld>
 </file>
 
-<file path=ppt/slides/slide16.xml><?xml version="1.0" encoding="utf-8"?>
-<p:sld xmlns:a="http://schemas.openxmlformats.org/drawingml/2006/main" xmlns:r="http://schemas.openxmlformats.org/officeDocument/2006/relationships" xmlns:p="http://schemas.openxmlformats.org/presentationml/2006/main">
-  <p:cSld>
-    <p:spTree>
-      <p:nvGrpSpPr>
-        <p:cNvPr id="1" name=""/>
-        <p:cNvGrpSpPr/>
-        <p:nvPr/>
-      </p:nvGrpSpPr>
-      <p:grpSpPr>
-        <a:xfrm>
-          <a:off x="0" y="0"/>
-          <a:ext cx="0" cy="0"/>
-          <a:chOff x="0" y="0"/>
-          <a:chExt cx="0" cy="0"/>
-        </a:xfrm>
-      </p:grpSpPr>
-      <p:pic>
-        <p:nvPicPr>
-          <p:cNvPr id="5" name="그림 4"/>
-          <p:cNvPicPr>
-            <a:picLocks noChangeAspect="1"/>
-          </p:cNvPicPr>
-          <p:nvPr/>
-        </p:nvPicPr>
-        <p:blipFill>
-          <a:blip r:embed="rId2"/>
-          <a:stretch>
-            <a:fillRect/>
-          </a:stretch>
-        </p:blipFill>
-        <p:spPr>
-          <a:xfrm>
-            <a:off x="923925" y="549275"/>
-            <a:ext cx="10165644" cy="5718175"/>
-          </a:xfrm>
-          <a:prstGeom prst="rect">
-            <a:avLst/>
-          </a:prstGeom>
-        </p:spPr>
-      </p:pic>
-      <p:sp>
-        <p:nvSpPr>
-          <p:cNvPr id="7" name="TextBox 6"/>
-          <p:cNvSpPr txBox="1"/>
-          <p:nvPr/>
-        </p:nvSpPr>
-        <p:spPr>
-          <a:xfrm>
-            <a:off x="8318751" y="3321278"/>
-            <a:ext cx="1505540" cy="215444"/>
-          </a:xfrm>
-          <a:prstGeom prst="rect">
-            <a:avLst/>
-          </a:prstGeom>
-          <a:noFill/>
-          <a:ln>
-            <a:solidFill>
-              <a:schemeClr val="tx1"/>
-            </a:solidFill>
-          </a:ln>
-        </p:spPr>
-        <p:txBody>
-          <a:bodyPr wrap="none" rtlCol="0">
-            <a:spAutoFit/>
-          </a:bodyPr>
-          <a:lstStyle/>
-          <a:p>
-            <a:r>
-              <a:rPr lang="ko-KR" altLang="en-US" sz="800" b="1" dirty="0" smtClean="0"/>
-              <a:t>조건 활성화 </a:t>
-            </a:r>
-            <a:r>
-              <a:rPr lang="en-US" altLang="ko-KR" sz="800" b="1" dirty="0" smtClean="0"/>
-              <a:t>/ </a:t>
-            </a:r>
-            <a:r>
-              <a:rPr lang="ko-KR" altLang="en-US" sz="800" b="1" dirty="0" smtClean="0"/>
-              <a:t>비활성화 버튼</a:t>
-            </a:r>
-            <a:endParaRPr lang="ko-KR" altLang="en-US" sz="800" b="1" dirty="0"/>
-          </a:p>
-        </p:txBody>
-      </p:sp>
-      <p:cxnSp>
-        <p:nvCxnSpPr>
-          <p:cNvPr id="9" name="꺾인 연결선 8"/>
-          <p:cNvCxnSpPr>
-            <a:stCxn id="7" idx="1"/>
-          </p:cNvCxnSpPr>
-          <p:nvPr/>
-        </p:nvCxnSpPr>
-        <p:spPr>
-          <a:xfrm rot="10800000">
-            <a:off x="6172199" y="2676526"/>
-            <a:ext cx="2146552" cy="752475"/>
-          </a:xfrm>
-          <a:prstGeom prst="bentConnector3">
-            <a:avLst>
-              <a:gd name="adj1" fmla="val 50000"/>
-            </a:avLst>
-          </a:prstGeom>
-          <a:ln>
-            <a:solidFill>
-              <a:srgbClr val="FF0000"/>
-            </a:solidFill>
-            <a:tailEnd type="triangle"/>
-          </a:ln>
-        </p:spPr>
-        <p:style>
-          <a:lnRef idx="1">
-            <a:schemeClr val="accent1"/>
-          </a:lnRef>
-          <a:fillRef idx="0">
-            <a:schemeClr val="accent1"/>
-          </a:fillRef>
-          <a:effectRef idx="0">
-            <a:schemeClr val="accent1"/>
-          </a:effectRef>
-          <a:fontRef idx="minor">
-            <a:schemeClr val="tx1"/>
-          </a:fontRef>
-        </p:style>
-      </p:cxnSp>
-      <p:cxnSp>
-        <p:nvCxnSpPr>
-          <p:cNvPr id="10" name="꺾인 연결선 9"/>
-          <p:cNvCxnSpPr/>
-          <p:nvPr/>
-        </p:nvCxnSpPr>
-        <p:spPr>
-          <a:xfrm rot="10800000">
-            <a:off x="6172200" y="1428751"/>
-            <a:ext cx="2146552" cy="2000249"/>
-          </a:xfrm>
-          <a:prstGeom prst="bentConnector3">
-            <a:avLst>
-              <a:gd name="adj1" fmla="val 50000"/>
-            </a:avLst>
-          </a:prstGeom>
-          <a:ln>
-            <a:solidFill>
-              <a:srgbClr val="FF0000"/>
-            </a:solidFill>
-            <a:tailEnd type="triangle"/>
-          </a:ln>
-        </p:spPr>
-        <p:style>
-          <a:lnRef idx="1">
-            <a:schemeClr val="accent1"/>
-          </a:lnRef>
-          <a:fillRef idx="0">
-            <a:schemeClr val="accent1"/>
-          </a:fillRef>
-          <a:effectRef idx="0">
-            <a:schemeClr val="accent1"/>
-          </a:effectRef>
-          <a:fontRef idx="minor">
-            <a:schemeClr val="tx1"/>
-          </a:fontRef>
-        </p:style>
-      </p:cxnSp>
-      <p:cxnSp>
-        <p:nvCxnSpPr>
-          <p:cNvPr id="16" name="꺾인 연결선 15"/>
-          <p:cNvCxnSpPr>
-            <a:stCxn id="7" idx="1"/>
-          </p:cNvCxnSpPr>
-          <p:nvPr/>
-        </p:nvCxnSpPr>
-        <p:spPr>
-          <a:xfrm rot="10800000" flipV="1">
-            <a:off x="6172199" y="3428999"/>
-            <a:ext cx="2146553" cy="295275"/>
-          </a:xfrm>
-          <a:prstGeom prst="bentConnector3">
-            <a:avLst>
-              <a:gd name="adj1" fmla="val 50000"/>
-            </a:avLst>
-          </a:prstGeom>
-          <a:ln>
-            <a:solidFill>
-              <a:srgbClr val="FF0000"/>
-            </a:solidFill>
-            <a:tailEnd type="triangle"/>
-          </a:ln>
-        </p:spPr>
-        <p:style>
-          <a:lnRef idx="1">
-            <a:schemeClr val="accent1"/>
-          </a:lnRef>
-          <a:fillRef idx="0">
-            <a:schemeClr val="accent1"/>
-          </a:fillRef>
-          <a:effectRef idx="0">
-            <a:schemeClr val="accent1"/>
-          </a:effectRef>
-          <a:fontRef idx="minor">
-            <a:schemeClr val="tx1"/>
-          </a:fontRef>
-        </p:style>
-      </p:cxnSp>
-      <p:cxnSp>
-        <p:nvCxnSpPr>
-          <p:cNvPr id="19" name="꺾인 연결선 18"/>
-          <p:cNvCxnSpPr>
-            <a:stCxn id="7" idx="1"/>
-          </p:cNvCxnSpPr>
-          <p:nvPr/>
-        </p:nvCxnSpPr>
-        <p:spPr>
-          <a:xfrm rot="10800000" flipV="1">
-            <a:off x="6172199" y="3428999"/>
-            <a:ext cx="2146553" cy="1533525"/>
-          </a:xfrm>
-          <a:prstGeom prst="bentConnector3">
-            <a:avLst>
-              <a:gd name="adj1" fmla="val 50000"/>
-            </a:avLst>
-          </a:prstGeom>
-          <a:ln>
-            <a:solidFill>
-              <a:srgbClr val="FF0000"/>
-            </a:solidFill>
-            <a:tailEnd type="triangle"/>
-          </a:ln>
-        </p:spPr>
-        <p:style>
-          <a:lnRef idx="1">
-            <a:schemeClr val="accent1"/>
-          </a:lnRef>
-          <a:fillRef idx="0">
-            <a:schemeClr val="accent1"/>
-          </a:fillRef>
-          <a:effectRef idx="0">
-            <a:schemeClr val="accent1"/>
-          </a:effectRef>
-          <a:fontRef idx="minor">
-            <a:schemeClr val="tx1"/>
-          </a:fontRef>
-        </p:style>
-      </p:cxnSp>
-      <p:sp>
-        <p:nvSpPr>
-          <p:cNvPr id="22" name="TextBox 21"/>
-          <p:cNvSpPr txBox="1"/>
-          <p:nvPr/>
-        </p:nvSpPr>
-        <p:spPr>
-          <a:xfrm>
-            <a:off x="7490076" y="5291821"/>
-            <a:ext cx="1321196" cy="215444"/>
-          </a:xfrm>
-          <a:prstGeom prst="rect">
-            <a:avLst/>
-          </a:prstGeom>
-          <a:noFill/>
-          <a:ln>
-            <a:solidFill>
-              <a:schemeClr val="tx1"/>
-            </a:solidFill>
-          </a:ln>
-        </p:spPr>
-        <p:txBody>
-          <a:bodyPr wrap="none" rtlCol="0">
-            <a:spAutoFit/>
-          </a:bodyPr>
-          <a:lstStyle/>
-          <a:p>
-            <a:r>
-              <a:rPr lang="ko-KR" altLang="en-US" sz="800" b="1" dirty="0" smtClean="0"/>
-              <a:t>순차 순서 </a:t>
-            </a:r>
-            <a:r>
-              <a:rPr lang="ko-KR" altLang="en-US" sz="800" b="1" dirty="0" err="1" smtClean="0"/>
-              <a:t>드래그앤</a:t>
-            </a:r>
-            <a:r>
-              <a:rPr lang="ko-KR" altLang="en-US" sz="800" b="1" dirty="0" smtClean="0"/>
-              <a:t> </a:t>
-            </a:r>
-            <a:r>
-              <a:rPr lang="ko-KR" altLang="en-US" sz="800" b="1" dirty="0" err="1" smtClean="0"/>
-              <a:t>드랍</a:t>
-            </a:r>
-            <a:endParaRPr lang="ko-KR" altLang="en-US" sz="800" b="1" dirty="0"/>
-          </a:p>
-        </p:txBody>
-      </p:sp>
-      <p:cxnSp>
-        <p:nvCxnSpPr>
-          <p:cNvPr id="23" name="꺾인 연결선 22"/>
-          <p:cNvCxnSpPr>
-            <a:stCxn id="22" idx="1"/>
-          </p:cNvCxnSpPr>
-          <p:nvPr/>
-        </p:nvCxnSpPr>
-        <p:spPr>
-          <a:xfrm rot="10800000">
-            <a:off x="4133850" y="5291821"/>
-            <a:ext cx="3356226" cy="107722"/>
-          </a:xfrm>
-          <a:prstGeom prst="bentConnector3">
-            <a:avLst>
-              <a:gd name="adj1" fmla="val 50000"/>
-            </a:avLst>
-          </a:prstGeom>
-          <a:ln>
-            <a:solidFill>
-              <a:srgbClr val="FF0000"/>
-            </a:solidFill>
-            <a:tailEnd type="triangle"/>
-          </a:ln>
-        </p:spPr>
-        <p:style>
-          <a:lnRef idx="1">
-            <a:schemeClr val="accent1"/>
-          </a:lnRef>
-          <a:fillRef idx="0">
-            <a:schemeClr val="accent1"/>
-          </a:fillRef>
-          <a:effectRef idx="0">
-            <a:schemeClr val="accent1"/>
-          </a:effectRef>
-          <a:fontRef idx="minor">
-            <a:schemeClr val="tx1"/>
-          </a:fontRef>
-        </p:style>
-      </p:cxnSp>
-    </p:spTree>
-    <p:extLst>
-      <p:ext uri="{BB962C8B-B14F-4D97-AF65-F5344CB8AC3E}">
-        <p14:creationId xmlns:p14="http://schemas.microsoft.com/office/powerpoint/2010/main" val="809558117"/>
-      </p:ext>
-    </p:extLst>
-  </p:cSld>
-  <p:clrMapOvr>
-    <a:masterClrMapping/>
-  </p:clrMapOvr>
-</p:sld>
-</file>
-
-<file path=ppt/slides/slide17.xml><?xml version="1.0" encoding="utf-8"?>
+<file path=ppt/slides/slide18.xml><?xml version="1.0" encoding="utf-8"?>
 <p:sld xmlns:a="http://schemas.openxmlformats.org/drawingml/2006/main" xmlns:r="http://schemas.openxmlformats.org/officeDocument/2006/relationships" xmlns:p="http://schemas.openxmlformats.org/presentationml/2006/main">
   <p:cSld>
     <p:spTree>
@@ -6088,18 +6194,53 @@
         </p:blipFill>
         <p:spPr>
           <a:xfrm>
-            <a:off x="923925" y="549275"/>
-            <a:ext cx="10165644" cy="5718175"/>
+            <a:off x="0" y="0"/>
+            <a:ext cx="12192000" cy="6858000"/>
           </a:xfrm>
           <a:prstGeom prst="rect">
             <a:avLst/>
           </a:prstGeom>
         </p:spPr>
       </p:pic>
+      <p:sp>
+        <p:nvSpPr>
+          <p:cNvPr id="5" name="TextBox 4"/>
+          <p:cNvSpPr txBox="1"/>
+          <p:nvPr/>
+        </p:nvSpPr>
+        <p:spPr>
+          <a:xfrm>
+            <a:off x="7626476" y="2529244"/>
+            <a:ext cx="976549" cy="215444"/>
+          </a:xfrm>
+          <a:prstGeom prst="rect">
+            <a:avLst/>
+          </a:prstGeom>
+          <a:noFill/>
+          <a:ln>
+            <a:solidFill>
+              <a:schemeClr val="tx1"/>
+            </a:solidFill>
+          </a:ln>
+        </p:spPr>
+        <p:txBody>
+          <a:bodyPr wrap="none" rtlCol="0">
+            <a:spAutoFit/>
+          </a:bodyPr>
+          <a:lstStyle/>
+          <a:p>
+            <a:r>
+              <a:rPr lang="ko-KR" altLang="en-US" sz="800" b="1" smtClean="0"/>
+              <a:t>로고 모양이 다름</a:t>
+            </a:r>
+            <a:endParaRPr lang="ko-KR" altLang="en-US" sz="800" b="1" dirty="0"/>
+          </a:p>
+        </p:txBody>
+      </p:sp>
     </p:spTree>
     <p:extLst>
       <p:ext uri="{BB962C8B-B14F-4D97-AF65-F5344CB8AC3E}">
-        <p14:creationId xmlns:p14="http://schemas.microsoft.com/office/powerpoint/2010/main" val="2635394177"/>
+        <p14:creationId xmlns:p14="http://schemas.microsoft.com/office/powerpoint/2010/main" val="1455525648"/>
       </p:ext>
     </p:extLst>
   </p:cSld>
@@ -6109,7 +6250,7 @@
 </p:sld>
 </file>
 
-<file path=ppt/slides/slide18.xml><?xml version="1.0" encoding="utf-8"?>
+<file path=ppt/slides/slide19.xml><?xml version="1.0" encoding="utf-8"?>
 <p:sld xmlns:a="http://schemas.openxmlformats.org/drawingml/2006/main" xmlns:r="http://schemas.openxmlformats.org/officeDocument/2006/relationships" xmlns:p="http://schemas.openxmlformats.org/presentationml/2006/main">
   <p:cSld>
     <p:bg>
@@ -6143,7 +6284,7 @@
         <p:spPr>
           <a:xfrm>
             <a:off x="5263267" y="3244334"/>
-            <a:ext cx="1714957" cy="369332"/>
+            <a:ext cx="1580882" cy="369332"/>
           </a:xfrm>
           <a:prstGeom prst="rect">
             <a:avLst/>
@@ -6162,20 +6303,15 @@
                   <a:schemeClr val="bg1"/>
                 </a:solidFill>
               </a:rPr>
-              <a:t>ADMIN LOGIN</a:t>
-            </a:r>
-            <a:endParaRPr lang="ko-KR" altLang="en-US" dirty="0">
-              <a:solidFill>
-                <a:schemeClr val="bg1"/>
-              </a:solidFill>
-            </a:endParaRPr>
+              <a:t>ADMIN USER</a:t>
+            </a:r>
           </a:p>
         </p:txBody>
       </p:sp>
     </p:spTree>
     <p:extLst>
       <p:ext uri="{BB962C8B-B14F-4D97-AF65-F5344CB8AC3E}">
-        <p14:creationId xmlns:p14="http://schemas.microsoft.com/office/powerpoint/2010/main" val="2572093177"/>
+        <p14:creationId xmlns:p14="http://schemas.microsoft.com/office/powerpoint/2010/main" val="1624709670"/>
       </p:ext>
     </p:extLst>
   </p:cSld>
@@ -6189,95 +6325,6 @@
       </p:par>
     </p:tnLst>
   </p:timing>
-</p:sld>
-</file>
-
-<file path=ppt/slides/slide19.xml><?xml version="1.0" encoding="utf-8"?>
-<p:sld xmlns:a="http://schemas.openxmlformats.org/drawingml/2006/main" xmlns:r="http://schemas.openxmlformats.org/officeDocument/2006/relationships" xmlns:p="http://schemas.openxmlformats.org/presentationml/2006/main">
-  <p:cSld>
-    <p:spTree>
-      <p:nvGrpSpPr>
-        <p:cNvPr id="1" name=""/>
-        <p:cNvGrpSpPr/>
-        <p:nvPr/>
-      </p:nvGrpSpPr>
-      <p:grpSpPr>
-        <a:xfrm>
-          <a:off x="0" y="0"/>
-          <a:ext cx="0" cy="0"/>
-          <a:chOff x="0" y="0"/>
-          <a:chExt cx="0" cy="0"/>
-        </a:xfrm>
-      </p:grpSpPr>
-      <p:pic>
-        <p:nvPicPr>
-          <p:cNvPr id="4" name="그림 3"/>
-          <p:cNvPicPr>
-            <a:picLocks noChangeAspect="1"/>
-          </p:cNvPicPr>
-          <p:nvPr/>
-        </p:nvPicPr>
-        <p:blipFill>
-          <a:blip r:embed="rId2"/>
-          <a:stretch>
-            <a:fillRect/>
-          </a:stretch>
-        </p:blipFill>
-        <p:spPr>
-          <a:xfrm>
-            <a:off x="0" y="0"/>
-            <a:ext cx="12192000" cy="6858000"/>
-          </a:xfrm>
-          <a:prstGeom prst="rect">
-            <a:avLst/>
-          </a:prstGeom>
-        </p:spPr>
-      </p:pic>
-      <p:sp>
-        <p:nvSpPr>
-          <p:cNvPr id="5" name="TextBox 4"/>
-          <p:cNvSpPr txBox="1"/>
-          <p:nvPr/>
-        </p:nvSpPr>
-        <p:spPr>
-          <a:xfrm>
-            <a:off x="7626476" y="2529244"/>
-            <a:ext cx="976549" cy="215444"/>
-          </a:xfrm>
-          <a:prstGeom prst="rect">
-            <a:avLst/>
-          </a:prstGeom>
-          <a:noFill/>
-          <a:ln>
-            <a:solidFill>
-              <a:schemeClr val="tx1"/>
-            </a:solidFill>
-          </a:ln>
-        </p:spPr>
-        <p:txBody>
-          <a:bodyPr wrap="none" rtlCol="0">
-            <a:spAutoFit/>
-          </a:bodyPr>
-          <a:lstStyle/>
-          <a:p>
-            <a:r>
-              <a:rPr lang="ko-KR" altLang="en-US" sz="800" b="1" smtClean="0"/>
-              <a:t>로고 모양이 다름</a:t>
-            </a:r>
-            <a:endParaRPr lang="ko-KR" altLang="en-US" sz="800" b="1" dirty="0"/>
-          </a:p>
-        </p:txBody>
-      </p:sp>
-    </p:spTree>
-    <p:extLst>
-      <p:ext uri="{BB962C8B-B14F-4D97-AF65-F5344CB8AC3E}">
-        <p14:creationId xmlns:p14="http://schemas.microsoft.com/office/powerpoint/2010/main" val="1455525648"/>
-      </p:ext>
-    </p:extLst>
-  </p:cSld>
-  <p:clrMapOvr>
-    <a:masterClrMapping/>
-  </p:clrMapOvr>
 </p:sld>
 </file>
 
@@ -6466,84 +6513,6 @@
 <file path=ppt/slides/slide20.xml><?xml version="1.0" encoding="utf-8"?>
 <p:sld xmlns:a="http://schemas.openxmlformats.org/drawingml/2006/main" xmlns:r="http://schemas.openxmlformats.org/officeDocument/2006/relationships" xmlns:p="http://schemas.openxmlformats.org/presentationml/2006/main">
   <p:cSld>
-    <p:bg>
-      <p:bgPr>
-        <a:solidFill>
-          <a:schemeClr val="tx1"/>
-        </a:solidFill>
-        <a:effectLst/>
-      </p:bgPr>
-    </p:bg>
-    <p:spTree>
-      <p:nvGrpSpPr>
-        <p:cNvPr id="1" name=""/>
-        <p:cNvGrpSpPr/>
-        <p:nvPr/>
-      </p:nvGrpSpPr>
-      <p:grpSpPr>
-        <a:xfrm>
-          <a:off x="0" y="0"/>
-          <a:ext cx="0" cy="0"/>
-          <a:chOff x="0" y="0"/>
-          <a:chExt cx="0" cy="0"/>
-        </a:xfrm>
-      </p:grpSpPr>
-      <p:sp>
-        <p:nvSpPr>
-          <p:cNvPr id="4" name="TextBox 3"/>
-          <p:cNvSpPr txBox="1"/>
-          <p:nvPr/>
-        </p:nvSpPr>
-        <p:spPr>
-          <a:xfrm>
-            <a:off x="5263267" y="3244334"/>
-            <a:ext cx="1580882" cy="369332"/>
-          </a:xfrm>
-          <a:prstGeom prst="rect">
-            <a:avLst/>
-          </a:prstGeom>
-          <a:noFill/>
-        </p:spPr>
-        <p:txBody>
-          <a:bodyPr wrap="none" rtlCol="0">
-            <a:spAutoFit/>
-          </a:bodyPr>
-          <a:lstStyle/>
-          <a:p>
-            <a:r>
-              <a:rPr lang="en-US" altLang="ko-KR" dirty="0" smtClean="0">
-                <a:solidFill>
-                  <a:schemeClr val="bg1"/>
-                </a:solidFill>
-              </a:rPr>
-              <a:t>ADMIN USER</a:t>
-            </a:r>
-          </a:p>
-        </p:txBody>
-      </p:sp>
-    </p:spTree>
-    <p:extLst>
-      <p:ext uri="{BB962C8B-B14F-4D97-AF65-F5344CB8AC3E}">
-        <p14:creationId xmlns:p14="http://schemas.microsoft.com/office/powerpoint/2010/main" val="1624709670"/>
-      </p:ext>
-    </p:extLst>
-  </p:cSld>
-  <p:clrMapOvr>
-    <a:masterClrMapping/>
-  </p:clrMapOvr>
-  <p:timing>
-    <p:tnLst>
-      <p:par>
-        <p:cTn id="1" dur="indefinite" restart="never" nodeType="tmRoot"/>
-      </p:par>
-    </p:tnLst>
-  </p:timing>
-</p:sld>
-</file>
-
-<file path=ppt/slides/slide21.xml><?xml version="1.0" encoding="utf-8"?>
-<p:sld xmlns:a="http://schemas.openxmlformats.org/drawingml/2006/main" xmlns:r="http://schemas.openxmlformats.org/officeDocument/2006/relationships" xmlns:p="http://schemas.openxmlformats.org/presentationml/2006/main">
-  <p:cSld>
     <p:spTree>
       <p:nvGrpSpPr>
         <p:cNvPr id="1" name=""/>
@@ -7530,7 +7499,7 @@
 </p:sld>
 </file>
 
-<file path=ppt/slides/slide22.xml><?xml version="1.0" encoding="utf-8"?>
+<file path=ppt/slides/slide21.xml><?xml version="1.0" encoding="utf-8"?>
 <p:sld xmlns:a="http://schemas.openxmlformats.org/drawingml/2006/main" xmlns:r="http://schemas.openxmlformats.org/officeDocument/2006/relationships" xmlns:p="http://schemas.openxmlformats.org/presentationml/2006/main">
   <p:cSld>
     <p:bg>
@@ -7608,7 +7577,7 @@
 </p:sld>
 </file>
 
-<file path=ppt/slides/slide23.xml><?xml version="1.0" encoding="utf-8"?>
+<file path=ppt/slides/slide22.xml><?xml version="1.0" encoding="utf-8"?>
 <p:sld xmlns:a="http://schemas.openxmlformats.org/drawingml/2006/main" xmlns:r="http://schemas.openxmlformats.org/officeDocument/2006/relationships" xmlns:p="http://schemas.openxmlformats.org/presentationml/2006/main">
   <p:cSld>
     <p:spTree>
@@ -8196,7 +8165,7 @@
 </p:sld>
 </file>
 
-<file path=ppt/slides/slide24.xml><?xml version="1.0" encoding="utf-8"?>
+<file path=ppt/slides/slide23.xml><?xml version="1.0" encoding="utf-8"?>
 <p:sld xmlns:a="http://schemas.openxmlformats.org/drawingml/2006/main" xmlns:r="http://schemas.openxmlformats.org/officeDocument/2006/relationships" xmlns:p="http://schemas.openxmlformats.org/presentationml/2006/main">
   <p:cSld>
     <p:spTree>
@@ -10128,11 +10097,7 @@
           <a:p>
             <a:r>
               <a:rPr lang="en-US" altLang="ko-KR" sz="800" b="1" dirty="0" smtClean="0"/>
-              <a:t>CONFIG : </a:t>
-            </a:r>
-            <a:r>
-              <a:rPr lang="en-US" altLang="ko-KR" sz="800" b="1" dirty="0" smtClean="0"/>
-              <a:t>../app/config.html</a:t>
+              <a:t>CONFIG : ../app/config.html</a:t>
             </a:r>
             <a:endParaRPr lang="ko-KR" altLang="en-US" sz="800" b="1" dirty="0"/>
           </a:p>
